--- a/Дипломна работа.pptx
+++ b/Дипломна работа.pptx
@@ -597,7 +597,7 @@
           <a:p>
             <a:fld id="{EA0C0817-A112-4847-8014-A94B7D2A4EA3}" type="datetime1">
               <a:rPr lang="en-US" smtClean="0"/>
-              <a:t>6/30/22</a:t>
+              <a:t>7/11/22</a:t>
             </a:fld>
             <a:endParaRPr lang="en-US" dirty="0"/>
           </a:p>
@@ -799,7 +799,7 @@
           <a:p>
             <a:fld id="{134F40B7-36AB-4376-BE14-EF7004D79BB9}" type="datetime1">
               <a:rPr lang="en-US" smtClean="0"/>
-              <a:t>6/30/22</a:t>
+              <a:t>7/11/22</a:t>
             </a:fld>
             <a:endParaRPr lang="en-US"/>
           </a:p>
@@ -979,7 +979,7 @@
           <a:p>
             <a:fld id="{FF87CAB8-DCAE-46A5-AADA-B3FAD11A54E0}" type="datetime1">
               <a:rPr lang="en-US" smtClean="0"/>
-              <a:t>6/30/22</a:t>
+              <a:t>7/11/22</a:t>
             </a:fld>
             <a:endParaRPr lang="en-US"/>
           </a:p>
@@ -1149,7 +1149,7 @@
           <a:p>
             <a:fld id="{7332B432-ACDA-4023-A761-2BAB76577B62}" type="datetime1">
               <a:rPr lang="en-US" smtClean="0"/>
-              <a:t>6/30/22</a:t>
+              <a:t>7/11/22</a:t>
             </a:fld>
             <a:endParaRPr lang="en-US"/>
           </a:p>
@@ -1748,7 +1748,7 @@
           <a:p>
             <a:fld id="{D9C646AA-F36E-4540-911D-FFFC0A0EF24A}" type="datetime1">
               <a:rPr lang="en-US" smtClean="0"/>
-              <a:t>6/30/22</a:t>
+              <a:t>7/11/22</a:t>
             </a:fld>
             <a:endParaRPr lang="en-US" dirty="0"/>
           </a:p>
@@ -2068,7 +2068,7 @@
           <a:p>
             <a:fld id="{69186D26-FA5F-4637-B602-B7C2DC34CFD4}" type="datetime1">
               <a:rPr lang="en-US" smtClean="0"/>
-              <a:t>6/30/22</a:t>
+              <a:t>7/11/22</a:t>
             </a:fld>
             <a:endParaRPr lang="en-US"/>
           </a:p>
@@ -2503,7 +2503,7 @@
           <a:p>
             <a:fld id="{8A7F15D8-96D1-4781-BC50-CA8A088B2FE4}" type="datetime1">
               <a:rPr lang="en-US" smtClean="0"/>
-              <a:t>6/30/22</a:t>
+              <a:t>7/11/22</a:t>
             </a:fld>
             <a:endParaRPr lang="en-US"/>
           </a:p>
@@ -2621,7 +2621,7 @@
           <a:p>
             <a:fld id="{F9A96C99-B8F8-4528-BD05-0E16E943DC09}" type="datetime1">
               <a:rPr lang="en-US" smtClean="0"/>
-              <a:t>6/30/22</a:t>
+              <a:t>7/11/22</a:t>
             </a:fld>
             <a:endParaRPr lang="en-US"/>
           </a:p>
@@ -2716,7 +2716,7 @@
           <a:p>
             <a:fld id="{03636942-C211-4B28-8DBD-C953E00AF71B}" type="datetime1">
               <a:rPr lang="en-US" smtClean="0"/>
-              <a:t>6/30/22</a:t>
+              <a:t>7/11/22</a:t>
             </a:fld>
             <a:endParaRPr lang="en-US"/>
           </a:p>
@@ -3133,7 +3133,7 @@
           <a:p>
             <a:fld id="{7E8D12A6-918A-48BD-8CB9-CA713993B0EA}" type="datetime1">
               <a:rPr lang="en-US" smtClean="0"/>
-              <a:t>6/30/22</a:t>
+              <a:t>7/11/22</a:t>
             </a:fld>
             <a:endParaRPr lang="en-US"/>
           </a:p>
@@ -3395,7 +3395,7 @@
             <a:fld id="{E778CE86-875F-4587-BCF6-FA054AFC0D53}" type="datetime1">
               <a:rPr lang="en-US" smtClean="0"/>
               <a:pPr/>
-              <a:t>6/30/22</a:t>
+              <a:t>7/11/22</a:t>
             </a:fld>
             <a:endParaRPr lang="en-US" dirty="0"/>
           </a:p>
@@ -3911,7 +3911,7 @@
           <a:p>
             <a:fld id="{F6FA2B21-3FCD-4721-B95C-427943F61125}" type="datetime1">
               <a:rPr lang="en-US" smtClean="0"/>
-              <a:t>6/30/22</a:t>
+              <a:t>7/11/22</a:t>
             </a:fld>
             <a:endParaRPr lang="en-US"/>
           </a:p>
@@ -6354,7 +6354,15 @@
           <a:p>
             <a:r>
               <a:rPr lang="bg-BG" sz="2400" dirty="0"/>
-              <a:t>Клиентът комуникира със сървъра, за да изпраща и получава данни, например, при зареждане на страници, потребител, при добавянето на станция.</a:t>
+              <a:t>Клиентът комуникира със сървъра, за да изпраща и получава данни, например, при зареждане </a:t>
+            </a:r>
+            <a:r>
+              <a:rPr lang="bg-BG" sz="2400"/>
+              <a:t>на страници, </a:t>
+            </a:r>
+            <a:r>
+              <a:rPr lang="bg-BG" sz="2400" dirty="0"/>
+              <a:t>при добавянето на станция.</a:t>
             </a:r>
           </a:p>
           <a:p>
@@ -10000,8 +10008,8 @@
         </p:blipFill>
         <p:spPr bwMode="auto">
           <a:xfrm>
-            <a:off x="2183086" y="1370933"/>
-            <a:ext cx="6210016" cy="4836119"/>
+            <a:off x="2183085" y="1370933"/>
+            <a:ext cx="6516777" cy="5075013"/>
           </a:xfrm>
           <a:prstGeom prst="rect">
             <a:avLst/>
